--- a/Investor Deck Full Team.pptx
+++ b/Investor Deck Full Team.pptx
@@ -23,7 +23,7 @@
     <p:sldId id="364" r:id="rId14"/>
     <p:sldId id="306" r:id="rId15"/>
     <p:sldId id="323" r:id="rId16"/>
-    <p:sldId id="378" r:id="rId17"/>
+    <p:sldId id="379" r:id="rId17"/>
     <p:sldId id="366" r:id="rId18"/>
   </p:sldIdLst>
   <p:sldSz cx="9144000" cy="5143500" type="screen16x9"/>
@@ -263,17 +263,17 @@
   <p:extLst>
     <p:ext uri="{EFAFB233-063F-42B5-8137-9DF3F51BA10A}">
       <p15:sldGuideLst xmlns:p15="http://schemas.microsoft.com/office/powerpoint/2012/main">
-        <p15:guide id="1" orient="horz" pos="972" userDrawn="1">
+        <p15:guide id="1" orient="horz" pos="1116" userDrawn="1">
           <p15:clr>
             <a:srgbClr val="A4A3A4"/>
           </p15:clr>
         </p15:guide>
-        <p15:guide id="2" pos="2544" userDrawn="1">
+        <p15:guide id="2" pos="4632" userDrawn="1">
           <p15:clr>
             <a:srgbClr val="A4A3A4"/>
           </p15:clr>
         </p15:guide>
-        <p15:guide id="3" pos="216" userDrawn="1">
+        <p15:guide id="3" pos="768" userDrawn="1">
           <p15:clr>
             <a:srgbClr val="A4A3A4"/>
           </p15:clr>
@@ -5515,7 +5515,7 @@
     </p:spTree>
     <p:extLst>
       <p:ext uri="{BB962C8B-B14F-4D97-AF65-F5344CB8AC3E}">
-        <p14:creationId xmlns:p14="http://schemas.microsoft.com/office/powerpoint/2010/main" val="220468366"/>
+        <p14:creationId xmlns:p14="http://schemas.microsoft.com/office/powerpoint/2010/main" val="1239975835"/>
       </p:ext>
     </p:extLst>
   </p:cSld>
@@ -6992,7 +6992,7 @@
           <a:graphicData uri="http://schemas.openxmlformats.org/presentationml/2006/ole">
             <mc:AlternateContent xmlns:mc="http://schemas.openxmlformats.org/markup-compatibility/2006">
               <mc:Choice xmlns:v="urn:schemas-microsoft-com:vml" Requires="v">
-                <p:oleObj spid="_x0000_s2212" name="think-cell Slide" r:id="rId4" imgW="270" imgH="270" progId="TCLayout.ActiveDocument.1">
+                <p:oleObj spid="_x0000_s2215" name="think-cell Slide" r:id="rId4" imgW="270" imgH="270" progId="TCLayout.ActiveDocument.1">
                   <p:embed/>
                 </p:oleObj>
               </mc:Choice>
@@ -10499,7 +10499,7 @@
           <a:graphicData uri="http://schemas.openxmlformats.org/presentationml/2006/ole">
             <mc:AlternateContent xmlns:mc="http://schemas.openxmlformats.org/markup-compatibility/2006">
               <mc:Choice xmlns:v="urn:schemas-microsoft-com:vml" Requires="v">
-                <p:oleObj spid="_x0000_s1188" name="think-cell Slide" r:id="rId15" imgW="270" imgH="270" progId="TCLayout.ActiveDocument.1">
+                <p:oleObj spid="_x0000_s1191" name="think-cell Slide" r:id="rId15" imgW="270" imgH="270" progId="TCLayout.ActiveDocument.1">
                   <p:embed/>
                 </p:oleObj>
               </mc:Choice>
@@ -34312,7 +34312,7 @@
         </p:blipFill>
         <p:spPr>
           <a:xfrm flipH="1">
-            <a:off x="-106938" y="130942"/>
+            <a:off x="0" y="0"/>
             <a:ext cx="9159498" cy="5143500"/>
           </a:xfrm>
           <a:prstGeom prst="rect">
@@ -34657,7 +34657,7 @@
       </p:grpSpPr>
       <p:pic>
         <p:nvPicPr>
-          <p:cNvPr id="20" name="Picture 19"/>
+          <p:cNvPr id="17" name="Picture 16"/>
           <p:cNvPicPr>
             <a:picLocks noChangeAspect="1"/>
           </p:cNvPicPr>
@@ -34680,19 +34680,18 @@
       </p:pic>
       <p:sp>
         <p:nvSpPr>
-          <p:cNvPr id="17" name="Shape 414"/>
+          <p:cNvPr id="16" name="Rounded Rectangle 15"/>
           <p:cNvSpPr/>
           <p:nvPr/>
         </p:nvSpPr>
         <p:spPr>
-          <a:xfrm rot="10800000" flipH="1">
-            <a:off x="3070444" y="0"/>
-            <a:ext cx="6089904" cy="5143500"/>
+          <a:xfrm>
+            <a:off x="0" y="1783002"/>
+            <a:ext cx="9143999" cy="3360497"/>
           </a:xfrm>
-          <a:prstGeom prst="round2SameRect">
+          <a:prstGeom prst="roundRect">
             <a:avLst>
-              <a:gd name="adj1" fmla="val 0"/>
-              <a:gd name="adj2" fmla="val 0"/>
+              <a:gd name="adj" fmla="val 0"/>
             </a:avLst>
           </a:prstGeom>
           <a:solidFill>
@@ -34704,13 +34703,57 @@
             <a:noFill/>
           </a:ln>
         </p:spPr>
+        <p:style>
+          <a:lnRef idx="2">
+            <a:schemeClr val="accent1">
+              <a:shade val="50000"/>
+            </a:schemeClr>
+          </a:lnRef>
+          <a:fillRef idx="1">
+            <a:schemeClr val="accent1"/>
+          </a:fillRef>
+          <a:effectRef idx="0">
+            <a:schemeClr val="accent1"/>
+          </a:effectRef>
+          <a:fontRef idx="minor">
+            <a:schemeClr val="lt1"/>
+          </a:fontRef>
+        </p:style>
+        <p:txBody>
+          <a:bodyPr rtlCol="0" anchor="ctr"/>
+          <a:lstStyle/>
+          <a:p>
+            <a:pPr algn="ctr"/>
+            <a:endParaRPr lang="en-US"/>
+          </a:p>
+        </p:txBody>
+      </p:sp>
+      <p:sp>
+        <p:nvSpPr>
+          <p:cNvPr id="406" name="Shape 406"/>
+          <p:cNvSpPr txBox="1">
+            <a:spLocks noGrp="1"/>
+          </p:cNvSpPr>
+          <p:nvPr>
+            <p:ph type="sldNum" idx="12"/>
+          </p:nvPr>
+        </p:nvSpPr>
+        <p:spPr>
+          <a:xfrm>
+            <a:off x="8686800" y="4804145"/>
+            <a:ext cx="365760" cy="237744"/>
+          </a:xfrm>
+          <a:prstGeom prst="rect">
+            <a:avLst/>
+          </a:prstGeom>
+        </p:spPr>
         <p:txBody>
           <a:bodyPr spcFirstLastPara="1" wrap="square" lIns="91425" tIns="91425" rIns="91425" bIns="91425" anchor="ctr" anchorCtr="0">
             <a:noAutofit/>
           </a:bodyPr>
           <a:lstStyle/>
           <a:p>
-            <a:pPr marL="0" lvl="0" indent="0">
+            <a:pPr marL="0" lvl="0" indent="0" rtl="0">
               <a:spcBef>
                 <a:spcPts val="0"/>
               </a:spcBef>
@@ -34719,7 +34762,182 @@
               </a:spcAft>
               <a:buNone/>
             </a:pPr>
-            <a:endParaRPr>
+            <a:fld id="{00000000-1234-1234-1234-123412341234}" type="slidenum">
+              <a:rPr lang="en">
+                <a:solidFill>
+                  <a:schemeClr val="bg1"/>
+                </a:solidFill>
+                <a:latin typeface="Montserrat" charset="0"/>
+                <a:ea typeface="Montserrat" charset="0"/>
+                <a:cs typeface="Montserrat" charset="0"/>
+                <a:sym typeface="Montserrat"/>
+              </a:rPr>
+              <a:t>16</a:t>
+            </a:fld>
+            <a:endParaRPr dirty="0">
+              <a:solidFill>
+                <a:schemeClr val="bg1"/>
+              </a:solidFill>
+              <a:latin typeface="Montserrat" charset="0"/>
+              <a:ea typeface="Montserrat" charset="0"/>
+              <a:cs typeface="Montserrat" charset="0"/>
+              <a:sym typeface="Montserrat"/>
+            </a:endParaRPr>
+          </a:p>
+        </p:txBody>
+      </p:sp>
+      <p:sp>
+        <p:nvSpPr>
+          <p:cNvPr id="12" name="TextBox 11"/>
+          <p:cNvSpPr txBox="1"/>
+          <p:nvPr/>
+        </p:nvSpPr>
+        <p:spPr>
+          <a:xfrm>
+            <a:off x="6171417" y="2504348"/>
+            <a:ext cx="2375013" cy="646331"/>
+          </a:xfrm>
+          <a:prstGeom prst="rect">
+            <a:avLst/>
+          </a:prstGeom>
+          <a:noFill/>
+        </p:spPr>
+        <p:txBody>
+          <a:bodyPr wrap="square" rtlCol="0">
+            <a:spAutoFit/>
+          </a:bodyPr>
+          <a:lstStyle/>
+          <a:p>
+            <a:pPr algn="ctr"/>
+            <a:r>
+              <a:rPr lang="en-US" sz="1800" dirty="0">
+                <a:solidFill>
+                  <a:schemeClr val="bg1"/>
+                </a:solidFill>
+                <a:latin typeface="Glacial Indifference" charset="0"/>
+                <a:ea typeface="Glacial Indifference" charset="0"/>
+                <a:cs typeface="Glacial Indifference" charset="0"/>
+              </a:rPr>
+              <a:t>Head of Biz Dev </a:t>
+            </a:r>
+            <a:r>
+              <a:rPr lang="mr-IN" sz="1800" dirty="0">
+                <a:solidFill>
+                  <a:schemeClr val="bg1"/>
+                </a:solidFill>
+                <a:latin typeface="Glacial Indifference" charset="0"/>
+                <a:ea typeface="Glacial Indifference" charset="0"/>
+                <a:cs typeface="Glacial Indifference" charset="0"/>
+              </a:rPr>
+              <a:t>–</a:t>
+            </a:r>
+            <a:r>
+              <a:rPr lang="en-US" sz="1800" dirty="0">
+                <a:solidFill>
+                  <a:schemeClr val="bg1"/>
+                </a:solidFill>
+                <a:latin typeface="Glacial Indifference" charset="0"/>
+                <a:ea typeface="Glacial Indifference" charset="0"/>
+                <a:cs typeface="Glacial Indifference" charset="0"/>
+              </a:rPr>
+              <a:t> Michael </a:t>
+            </a:r>
+            <a:r>
+              <a:rPr lang="en-US" sz="1800" dirty="0" smtClean="0">
+                <a:solidFill>
+                  <a:schemeClr val="bg1"/>
+                </a:solidFill>
+                <a:latin typeface="Glacial Indifference" charset="0"/>
+                <a:ea typeface="Glacial Indifference" charset="0"/>
+                <a:cs typeface="Glacial Indifference" charset="0"/>
+              </a:rPr>
+              <a:t>Rojas</a:t>
+            </a:r>
+            <a:endParaRPr lang="en-US" sz="1800" dirty="0">
+              <a:solidFill>
+                <a:schemeClr val="bg1"/>
+              </a:solidFill>
+              <a:latin typeface="Glacial Indifference" charset="0"/>
+              <a:ea typeface="Glacial Indifference" charset="0"/>
+              <a:cs typeface="Glacial Indifference" charset="0"/>
+            </a:endParaRPr>
+          </a:p>
+        </p:txBody>
+      </p:sp>
+      <p:sp>
+        <p:nvSpPr>
+          <p:cNvPr id="13" name="TextBox 12"/>
+          <p:cNvSpPr txBox="1"/>
+          <p:nvPr/>
+        </p:nvSpPr>
+        <p:spPr>
+          <a:xfrm>
+            <a:off x="321720" y="2509475"/>
+            <a:ext cx="2885575" cy="646331"/>
+          </a:xfrm>
+          <a:prstGeom prst="rect">
+            <a:avLst/>
+          </a:prstGeom>
+          <a:noFill/>
+        </p:spPr>
+        <p:txBody>
+          <a:bodyPr wrap="square" rtlCol="0">
+            <a:spAutoFit/>
+          </a:bodyPr>
+          <a:lstStyle/>
+          <a:p>
+            <a:pPr algn="ctr"/>
+            <a:r>
+              <a:rPr lang="en-US" sz="1800" dirty="0" smtClean="0">
+                <a:solidFill>
+                  <a:schemeClr val="bg1"/>
+                </a:solidFill>
+                <a:latin typeface="Glacial Indifference" charset="0"/>
+                <a:ea typeface="Glacial Indifference" charset="0"/>
+                <a:cs typeface="Glacial Indifference" charset="0"/>
+              </a:rPr>
+              <a:t>CEO </a:t>
+            </a:r>
+            <a:r>
+              <a:rPr lang="mr-IN" sz="1800" dirty="0" smtClean="0">
+                <a:solidFill>
+                  <a:schemeClr val="bg1"/>
+                </a:solidFill>
+                <a:latin typeface="Glacial Indifference" charset="0"/>
+                <a:ea typeface="Glacial Indifference" charset="0"/>
+                <a:cs typeface="Glacial Indifference" charset="0"/>
+              </a:rPr>
+              <a:t>–</a:t>
+            </a:r>
+            <a:r>
+              <a:rPr lang="en-US" sz="1800" dirty="0" smtClean="0">
+                <a:solidFill>
+                  <a:schemeClr val="bg1"/>
+                </a:solidFill>
+                <a:latin typeface="Glacial Indifference" charset="0"/>
+                <a:ea typeface="Glacial Indifference" charset="0"/>
+                <a:cs typeface="Glacial Indifference" charset="0"/>
+              </a:rPr>
+              <a:t> </a:t>
+            </a:r>
+            <a:r>
+              <a:rPr lang="en-US" sz="1800" dirty="0">
+                <a:solidFill>
+                  <a:schemeClr val="bg1"/>
+                </a:solidFill>
+                <a:latin typeface="Glacial Indifference" charset="0"/>
+                <a:ea typeface="Glacial Indifference" charset="0"/>
+                <a:cs typeface="Glacial Indifference" charset="0"/>
+              </a:rPr>
+              <a:t>Austin Cohen</a:t>
+            </a:r>
+          </a:p>
+          <a:p>
+            <a:pPr algn="ctr"/>
+            <a:endParaRPr lang="en-US" sz="1800" dirty="0">
+              <a:solidFill>
+                <a:schemeClr val="bg1"/>
+              </a:solidFill>
               <a:latin typeface="Glacial Indifference" charset="0"/>
               <a:ea typeface="Glacial Indifference" charset="0"/>
               <a:cs typeface="Glacial Indifference" charset="0"/>
@@ -34749,7 +34967,7 @@
         </p:blipFill>
         <p:spPr>
           <a:xfrm>
-            <a:off x="2503864" y="3056913"/>
+            <a:off x="4011766" y="1184161"/>
             <a:ext cx="1133159" cy="1133159"/>
           </a:xfrm>
           <a:prstGeom prst="ellipse">
@@ -34759,14 +34977,14 @@
       </p:pic>
       <p:sp>
         <p:nvSpPr>
-          <p:cNvPr id="18" name="TextBox 17"/>
+          <p:cNvPr id="21" name="TextBox 20"/>
           <p:cNvSpPr txBox="1"/>
           <p:nvPr/>
         </p:nvSpPr>
         <p:spPr>
           <a:xfrm>
-            <a:off x="4163670" y="2943819"/>
-            <a:ext cx="4888890" cy="1261884"/>
+            <a:off x="2400196" y="-1685826"/>
+            <a:ext cx="4343603" cy="605294"/>
           </a:xfrm>
           <a:prstGeom prst="rect">
             <a:avLst/>
@@ -34779,8 +34997,13 @@
           </a:bodyPr>
           <a:lstStyle/>
           <a:p>
+            <a:pPr>
+              <a:lnSpc>
+                <a:spcPts val="4000"/>
+              </a:lnSpc>
+            </a:pPr>
             <a:r>
-              <a:rPr lang="en-US" b="1" dirty="0" smtClean="0">
+              <a:rPr lang="en-US" sz="2400" b="1" dirty="0" smtClean="0">
                 <a:solidFill>
                   <a:schemeClr val="bg1"/>
                 </a:solidFill>
@@ -34788,88 +35011,9 @@
                 <a:ea typeface="Glacial Indifference" charset="0"/>
                 <a:cs typeface="Glacial Indifference" charset="0"/>
               </a:rPr>
-              <a:t>Michael Rojas</a:t>
+              <a:t>The Team</a:t>
             </a:r>
-          </a:p>
-          <a:p>
-            <a:endParaRPr lang="en-US" dirty="0">
-              <a:solidFill>
-                <a:schemeClr val="bg1"/>
-              </a:solidFill>
-              <a:latin typeface="Glacial Indifference" charset="0"/>
-              <a:ea typeface="Glacial Indifference" charset="0"/>
-              <a:cs typeface="Glacial Indifference" charset="0"/>
-            </a:endParaRPr>
-          </a:p>
-          <a:p>
-            <a:r>
-              <a:rPr lang="en-US" dirty="0" smtClean="0">
-                <a:solidFill>
-                  <a:schemeClr val="bg1"/>
-                </a:solidFill>
-                <a:latin typeface="Glacial Indifference" charset="0"/>
-                <a:ea typeface="Glacial Indifference" charset="0"/>
-                <a:cs typeface="Glacial Indifference" charset="0"/>
-              </a:rPr>
-              <a:t>Co-Founder </a:t>
-            </a:r>
-            <a:r>
-              <a:rPr lang="en-US" dirty="0">
-                <a:solidFill>
-                  <a:schemeClr val="bg1"/>
-                </a:solidFill>
-                <a:latin typeface="Glacial Indifference" charset="0"/>
-                <a:ea typeface="Glacial Indifference" charset="0"/>
-                <a:cs typeface="Glacial Indifference" charset="0"/>
-              </a:rPr>
-              <a:t>and CEO of Iron Grip Barbell </a:t>
-            </a:r>
-            <a:r>
-              <a:rPr lang="en-US" dirty="0" smtClean="0">
-                <a:solidFill>
-                  <a:schemeClr val="bg1"/>
-                </a:solidFill>
-                <a:latin typeface="Glacial Indifference" charset="0"/>
-                <a:ea typeface="Glacial Indifference" charset="0"/>
-                <a:cs typeface="Glacial Indifference" charset="0"/>
-              </a:rPr>
-              <a:t>Company</a:t>
-            </a:r>
-          </a:p>
-          <a:p>
-            <a:endParaRPr lang="en-US" sz="600" dirty="0">
-              <a:solidFill>
-                <a:schemeClr val="bg1"/>
-              </a:solidFill>
-              <a:latin typeface="Glacial Indifference" charset="0"/>
-              <a:ea typeface="Glacial Indifference" charset="0"/>
-              <a:cs typeface="Glacial Indifference" charset="0"/>
-            </a:endParaRPr>
-          </a:p>
-          <a:p>
-            <a:r>
-              <a:rPr lang="en-US" dirty="0">
-                <a:solidFill>
-                  <a:schemeClr val="bg1"/>
-                </a:solidFill>
-                <a:latin typeface="Glacial Indifference" charset="0"/>
-                <a:ea typeface="Glacial Indifference" charset="0"/>
-                <a:cs typeface="Glacial Indifference" charset="0"/>
-              </a:rPr>
-              <a:t>Iron Grip is the largest provider of commercial free weight equipment </a:t>
-            </a:r>
-            <a:r>
-              <a:rPr lang="en-US" dirty="0" smtClean="0">
-                <a:solidFill>
-                  <a:schemeClr val="bg1"/>
-                </a:solidFill>
-                <a:latin typeface="Glacial Indifference" charset="0"/>
-                <a:ea typeface="Glacial Indifference" charset="0"/>
-                <a:cs typeface="Glacial Indifference" charset="0"/>
-              </a:rPr>
-              <a:t>worldwide</a:t>
-            </a:r>
-            <a:endParaRPr lang="en-US" dirty="0">
+            <a:endParaRPr lang="en-US" sz="2400" b="1" dirty="0">
               <a:solidFill>
                 <a:schemeClr val="bg1"/>
               </a:solidFill>
@@ -34882,14 +35026,14 @@
       </p:sp>
       <p:sp>
         <p:nvSpPr>
-          <p:cNvPr id="19" name="TextBox 18"/>
+          <p:cNvPr id="14" name="TextBox 13"/>
           <p:cNvSpPr txBox="1"/>
           <p:nvPr/>
         </p:nvSpPr>
         <p:spPr>
           <a:xfrm>
-            <a:off x="4147641" y="589723"/>
-            <a:ext cx="4904919" cy="1477328"/>
+            <a:off x="3134718" y="2509474"/>
+            <a:ext cx="2885575" cy="369332"/>
           </a:xfrm>
           <a:prstGeom prst="rect">
             <a:avLst/>
@@ -34902,9 +35046,9 @@
           </a:bodyPr>
           <a:lstStyle/>
           <a:p>
-            <a:pPr fontAlgn="base"/>
+            <a:pPr algn="ctr"/>
             <a:r>
-              <a:rPr lang="en-US" b="1" dirty="0" smtClean="0">
+              <a:rPr lang="en-US" sz="1800" dirty="0" smtClean="0">
                 <a:solidFill>
                   <a:schemeClr val="bg1"/>
                 </a:solidFill>
@@ -34912,12 +35056,31 @@
                 <a:ea typeface="Glacial Indifference" charset="0"/>
                 <a:cs typeface="Glacial Indifference" charset="0"/>
               </a:rPr>
-              <a:t>Austin Cohen</a:t>
+              <a:t>TBD </a:t>
             </a:r>
-          </a:p>
-          <a:p>
-            <a:pPr fontAlgn="base"/>
-            <a:endParaRPr lang="en-US" dirty="0">
+            <a:r>
+              <a:rPr lang="mr-IN" sz="1800" dirty="0" smtClean="0">
+                <a:solidFill>
+                  <a:schemeClr val="bg1"/>
+                </a:solidFill>
+                <a:latin typeface="Glacial Indifference" charset="0"/>
+                <a:ea typeface="Glacial Indifference" charset="0"/>
+                <a:cs typeface="Glacial Indifference" charset="0"/>
+              </a:rPr>
+              <a:t>–</a:t>
+            </a:r>
+            <a:r>
+              <a:rPr lang="en-US" sz="1800" dirty="0" smtClean="0">
+                <a:solidFill>
+                  <a:schemeClr val="bg1"/>
+                </a:solidFill>
+                <a:latin typeface="Glacial Indifference" charset="0"/>
+                <a:ea typeface="Glacial Indifference" charset="0"/>
+                <a:cs typeface="Glacial Indifference" charset="0"/>
+              </a:rPr>
+              <a:t> Kevin Batista</a:t>
+            </a:r>
+            <a:endParaRPr lang="en-US" sz="1800" dirty="0">
               <a:solidFill>
                 <a:schemeClr val="bg1"/>
               </a:solidFill>
@@ -34926,10 +35089,33 @@
               <a:cs typeface="Glacial Indifference" charset="0"/>
             </a:endParaRPr>
           </a:p>
+        </p:txBody>
+      </p:sp>
+      <p:sp>
+        <p:nvSpPr>
+          <p:cNvPr id="26" name="TextBox 25"/>
+          <p:cNvSpPr txBox="1"/>
+          <p:nvPr/>
+        </p:nvSpPr>
+        <p:spPr>
+          <a:xfrm>
+            <a:off x="6023356" y="3222867"/>
+            <a:ext cx="2691515" cy="954107"/>
+          </a:xfrm>
+          <a:prstGeom prst="rect">
+            <a:avLst/>
+          </a:prstGeom>
+          <a:noFill/>
+        </p:spPr>
+        <p:txBody>
+          <a:bodyPr wrap="square" rtlCol="0">
+            <a:spAutoFit/>
+          </a:bodyPr>
+          <a:lstStyle/>
           <a:p>
-            <a:pPr fontAlgn="base"/>
+            <a:pPr algn="ctr"/>
             <a:r>
-              <a:rPr lang="en-US" dirty="0" smtClean="0">
+              <a:rPr lang="en-US" dirty="0" err="1">
                 <a:solidFill>
                   <a:schemeClr val="bg1"/>
                 </a:solidFill>
@@ -34937,7 +35123,7 @@
                 <a:ea typeface="Glacial Indifference" charset="0"/>
                 <a:cs typeface="Glacial Indifference" charset="0"/>
               </a:rPr>
-              <a:t>Extensive </a:t>
+              <a:t>Sed</a:t>
             </a:r>
             <a:r>
               <a:rPr lang="en-US" dirty="0">
@@ -34948,7 +35134,62 @@
                 <a:ea typeface="Glacial Indifference" charset="0"/>
                 <a:cs typeface="Glacial Indifference" charset="0"/>
               </a:rPr>
-              <a:t>consumer venture capital and operating company </a:t>
+              <a:t> </a:t>
+            </a:r>
+            <a:r>
+              <a:rPr lang="en-US" dirty="0" err="1">
+                <a:solidFill>
+                  <a:schemeClr val="bg1"/>
+                </a:solidFill>
+                <a:latin typeface="Glacial Indifference" charset="0"/>
+                <a:ea typeface="Glacial Indifference" charset="0"/>
+                <a:cs typeface="Glacial Indifference" charset="0"/>
+              </a:rPr>
+              <a:t>ornare</a:t>
+            </a:r>
+            <a:r>
+              <a:rPr lang="en-US" dirty="0">
+                <a:solidFill>
+                  <a:schemeClr val="bg1"/>
+                </a:solidFill>
+                <a:latin typeface="Glacial Indifference" charset="0"/>
+                <a:ea typeface="Glacial Indifference" charset="0"/>
+                <a:cs typeface="Glacial Indifference" charset="0"/>
+              </a:rPr>
+              <a:t> at </a:t>
+            </a:r>
+            <a:r>
+              <a:rPr lang="en-US" dirty="0" err="1">
+                <a:solidFill>
+                  <a:schemeClr val="bg1"/>
+                </a:solidFill>
+                <a:latin typeface="Glacial Indifference" charset="0"/>
+                <a:ea typeface="Glacial Indifference" charset="0"/>
+                <a:cs typeface="Glacial Indifference" charset="0"/>
+              </a:rPr>
+              <a:t>felis</a:t>
+            </a:r>
+            <a:r>
+              <a:rPr lang="en-US" dirty="0">
+                <a:solidFill>
+                  <a:schemeClr val="bg1"/>
+                </a:solidFill>
+                <a:latin typeface="Glacial Indifference" charset="0"/>
+                <a:ea typeface="Glacial Indifference" charset="0"/>
+                <a:cs typeface="Glacial Indifference" charset="0"/>
+              </a:rPr>
+              <a:t> </a:t>
+            </a:r>
+            <a:r>
+              <a:rPr lang="en-US" dirty="0" err="1" smtClean="0">
+                <a:solidFill>
+                  <a:schemeClr val="bg1"/>
+                </a:solidFill>
+                <a:latin typeface="Glacial Indifference" charset="0"/>
+                <a:ea typeface="Glacial Indifference" charset="0"/>
+                <a:cs typeface="Glacial Indifference" charset="0"/>
+              </a:rPr>
+              <a:t>vel</a:t>
             </a:r>
             <a:r>
               <a:rPr lang="en-US" dirty="0" smtClean="0">
@@ -34959,22 +35200,19 @@
                 <a:ea typeface="Glacial Indifference" charset="0"/>
                 <a:cs typeface="Glacial Indifference" charset="0"/>
               </a:rPr>
-              <a:t>experience</a:t>
+              <a:t> </a:t>
             </a:r>
-          </a:p>
-          <a:p>
-            <a:pPr fontAlgn="base"/>
-            <a:endParaRPr lang="en-US" sz="600" dirty="0">
-              <a:solidFill>
-                <a:schemeClr val="bg1"/>
-              </a:solidFill>
-              <a:latin typeface="Glacial Indifference" charset="0"/>
-              <a:ea typeface="Glacial Indifference" charset="0"/>
-              <a:cs typeface="Glacial Indifference" charset="0"/>
-            </a:endParaRPr>
-          </a:p>
-          <a:p>
-            <a:pPr fontAlgn="base"/>
+            <a:r>
+              <a:rPr lang="en-US" dirty="0" err="1" smtClean="0">
+                <a:solidFill>
+                  <a:schemeClr val="bg1"/>
+                </a:solidFill>
+                <a:latin typeface="Glacial Indifference" charset="0"/>
+                <a:ea typeface="Glacial Indifference" charset="0"/>
+                <a:cs typeface="Glacial Indifference" charset="0"/>
+              </a:rPr>
+              <a:t>fdasf</a:t>
+            </a:r>
             <a:r>
               <a:rPr lang="en-US" dirty="0" smtClean="0">
                 <a:solidFill>
@@ -34984,7 +35222,40 @@
                 <a:ea typeface="Glacial Indifference" charset="0"/>
                 <a:cs typeface="Glacial Indifference" charset="0"/>
               </a:rPr>
-              <a:t>Columbia </a:t>
+              <a:t> </a:t>
+            </a:r>
+            <a:r>
+              <a:rPr lang="en-US" dirty="0" err="1" smtClean="0">
+                <a:solidFill>
+                  <a:schemeClr val="bg1"/>
+                </a:solidFill>
+                <a:latin typeface="Glacial Indifference" charset="0"/>
+                <a:ea typeface="Glacial Indifference" charset="0"/>
+                <a:cs typeface="Glacial Indifference" charset="0"/>
+              </a:rPr>
+              <a:t>fd</a:t>
+            </a:r>
+            <a:r>
+              <a:rPr lang="en-US" dirty="0" smtClean="0">
+                <a:solidFill>
+                  <a:schemeClr val="bg1"/>
+                </a:solidFill>
+                <a:latin typeface="Glacial Indifference" charset="0"/>
+                <a:ea typeface="Glacial Indifference" charset="0"/>
+                <a:cs typeface="Glacial Indifference" charset="0"/>
+              </a:rPr>
+              <a:t>. </a:t>
+            </a:r>
+            <a:r>
+              <a:rPr lang="en-US" dirty="0" err="1">
+                <a:solidFill>
+                  <a:schemeClr val="bg1"/>
+                </a:solidFill>
+                <a:latin typeface="Glacial Indifference" charset="0"/>
+                <a:ea typeface="Glacial Indifference" charset="0"/>
+                <a:cs typeface="Glacial Indifference" charset="0"/>
+              </a:rPr>
+              <a:t>Suspendisse</a:t>
             </a:r>
             <a:r>
               <a:rPr lang="en-US" dirty="0">
@@ -34995,130 +35266,878 @@
                 <a:ea typeface="Glacial Indifference" charset="0"/>
                 <a:cs typeface="Glacial Indifference" charset="0"/>
               </a:rPr>
-              <a:t>Business School (MBA); Columbia University (BA); Roslyn High School Valedictorian</a:t>
+              <a:t> </a:t>
+            </a:r>
+            <a:r>
+              <a:rPr lang="en-US" dirty="0" err="1">
+                <a:solidFill>
+                  <a:schemeClr val="bg1"/>
+                </a:solidFill>
+                <a:latin typeface="Glacial Indifference" charset="0"/>
+                <a:ea typeface="Glacial Indifference" charset="0"/>
+                <a:cs typeface="Glacial Indifference" charset="0"/>
+              </a:rPr>
+              <a:t>suscipit</a:t>
+            </a:r>
+            <a:r>
+              <a:rPr lang="en-US" dirty="0">
+                <a:solidFill>
+                  <a:schemeClr val="bg1"/>
+                </a:solidFill>
+                <a:latin typeface="Glacial Indifference" charset="0"/>
+                <a:ea typeface="Glacial Indifference" charset="0"/>
+                <a:cs typeface="Glacial Indifference" charset="0"/>
+              </a:rPr>
+              <a:t> </a:t>
+            </a:r>
+            <a:r>
+              <a:rPr lang="en-US" dirty="0" smtClean="0">
+                <a:solidFill>
+                  <a:schemeClr val="bg1"/>
+                </a:solidFill>
+                <a:latin typeface="Glacial Indifference" charset="0"/>
+                <a:ea typeface="Glacial Indifference" charset="0"/>
+                <a:cs typeface="Glacial Indifference" charset="0"/>
+              </a:rPr>
+              <a:t>quam</a:t>
+            </a:r>
+          </a:p>
+          <a:p>
+            <a:pPr algn="ctr"/>
+            <a:r>
+              <a:rPr lang="en-US" dirty="0" smtClean="0">
+                <a:solidFill>
+                  <a:schemeClr val="bg1"/>
+                </a:solidFill>
+                <a:latin typeface="Glacial Indifference" charset="0"/>
+                <a:ea typeface="Glacial Indifference" charset="0"/>
+                <a:cs typeface="Glacial Indifference" charset="0"/>
+              </a:rPr>
+              <a:t> </a:t>
+            </a:r>
+            <a:r>
+              <a:rPr lang="en-US" dirty="0">
+                <a:solidFill>
+                  <a:schemeClr val="bg1"/>
+                </a:solidFill>
+                <a:latin typeface="Glacial Indifference" charset="0"/>
+                <a:ea typeface="Glacial Indifference" charset="0"/>
+                <a:cs typeface="Glacial Indifference" charset="0"/>
+              </a:rPr>
+              <a:t>quam </a:t>
+            </a:r>
+            <a:r>
+              <a:rPr lang="en-US" dirty="0" err="1">
+                <a:solidFill>
+                  <a:schemeClr val="bg1"/>
+                </a:solidFill>
+                <a:latin typeface="Glacial Indifference" charset="0"/>
+                <a:ea typeface="Glacial Indifference" charset="0"/>
+                <a:cs typeface="Glacial Indifference" charset="0"/>
+              </a:rPr>
+              <a:t>facilisis</a:t>
+            </a:r>
+            <a:r>
+              <a:rPr lang="en-US" dirty="0">
+                <a:solidFill>
+                  <a:schemeClr val="bg1"/>
+                </a:solidFill>
+                <a:latin typeface="Glacial Indifference" charset="0"/>
+                <a:ea typeface="Glacial Indifference" charset="0"/>
+                <a:cs typeface="Glacial Indifference" charset="0"/>
+              </a:rPr>
+              <a:t>, et </a:t>
+            </a:r>
+            <a:r>
+              <a:rPr lang="en-US" dirty="0" err="1" smtClean="0">
+                <a:solidFill>
+                  <a:schemeClr val="bg1"/>
+                </a:solidFill>
+                <a:latin typeface="Glacial Indifference" charset="0"/>
+                <a:ea typeface="Glacial Indifference" charset="0"/>
+                <a:cs typeface="Glacial Indifference" charset="0"/>
+              </a:rPr>
+              <a:t>facilispulvinar</a:t>
+            </a:r>
+            <a:r>
+              <a:rPr lang="en-US" dirty="0">
+                <a:solidFill>
+                  <a:schemeClr val="bg1"/>
+                </a:solidFill>
+                <a:latin typeface="Glacial Indifference" charset="0"/>
+                <a:ea typeface="Glacial Indifference" charset="0"/>
+                <a:cs typeface="Glacial Indifference" charset="0"/>
+              </a:rPr>
+              <a:t>. </a:t>
+            </a:r>
+            <a:r>
+              <a:rPr lang="en-US" dirty="0" err="1">
+                <a:solidFill>
+                  <a:schemeClr val="bg1"/>
+                </a:solidFill>
+                <a:latin typeface="Glacial Indifference" charset="0"/>
+                <a:ea typeface="Glacial Indifference" charset="0"/>
+                <a:cs typeface="Glacial Indifference" charset="0"/>
+              </a:rPr>
+              <a:t>Donec</a:t>
+            </a:r>
+            <a:r>
+              <a:rPr lang="en-US" dirty="0">
+                <a:solidFill>
+                  <a:schemeClr val="bg1"/>
+                </a:solidFill>
+                <a:latin typeface="Glacial Indifference" charset="0"/>
+                <a:ea typeface="Glacial Indifference" charset="0"/>
+                <a:cs typeface="Glacial Indifference" charset="0"/>
+              </a:rPr>
+              <a:t> </a:t>
+            </a:r>
+            <a:r>
+              <a:rPr lang="en-US" dirty="0" err="1">
+                <a:solidFill>
+                  <a:schemeClr val="bg1"/>
+                </a:solidFill>
+                <a:latin typeface="Glacial Indifference" charset="0"/>
+                <a:ea typeface="Glacial Indifference" charset="0"/>
+                <a:cs typeface="Glacial Indifference" charset="0"/>
+              </a:rPr>
+              <a:t>cursus</a:t>
+            </a:r>
+            <a:r>
+              <a:rPr lang="en-US" dirty="0">
+                <a:solidFill>
+                  <a:schemeClr val="bg1"/>
+                </a:solidFill>
+                <a:latin typeface="Glacial Indifference" charset="0"/>
+                <a:ea typeface="Glacial Indifference" charset="0"/>
+                <a:cs typeface="Glacial Indifference" charset="0"/>
+              </a:rPr>
+              <a:t> </a:t>
+            </a:r>
+            <a:r>
+              <a:rPr lang="en-US" dirty="0" err="1">
+                <a:solidFill>
+                  <a:schemeClr val="bg1"/>
+                </a:solidFill>
+                <a:latin typeface="Glacial Indifference" charset="0"/>
+                <a:ea typeface="Glacial Indifference" charset="0"/>
+                <a:cs typeface="Glacial Indifference" charset="0"/>
+              </a:rPr>
+              <a:t>efficitur</a:t>
+            </a:r>
+            <a:r>
+              <a:rPr lang="en-US" dirty="0">
+                <a:solidFill>
+                  <a:schemeClr val="bg1"/>
+                </a:solidFill>
+                <a:latin typeface="Glacial Indifference" charset="0"/>
+                <a:ea typeface="Glacial Indifference" charset="0"/>
+                <a:cs typeface="Glacial Indifference" charset="0"/>
+              </a:rPr>
+              <a:t> mi, </a:t>
             </a:r>
           </a:p>
         </p:txBody>
       </p:sp>
       <p:sp>
         <p:nvSpPr>
-          <p:cNvPr id="24" name="Shape 415"/>
-          <p:cNvSpPr txBox="1">
-            <a:spLocks noGrp="1"/>
-          </p:cNvSpPr>
-          <p:nvPr>
-            <p:ph type="sldNum" idx="12"/>
-          </p:nvPr>
-        </p:nvSpPr>
-        <p:spPr>
-          <a:xfrm>
-            <a:off x="8686800" y="4826238"/>
-            <a:ext cx="365760" cy="182880"/>
-          </a:xfrm>
-          <a:prstGeom prst="rect">
-            <a:avLst/>
-          </a:prstGeom>
-        </p:spPr>
-        <p:txBody>
-          <a:bodyPr spcFirstLastPara="1" wrap="square" lIns="91425" tIns="91425" rIns="91425" bIns="91425" anchor="ctr" anchorCtr="0">
-            <a:noAutofit/>
-          </a:bodyPr>
-          <a:lstStyle/>
-          <a:p>
-            <a:pPr marL="0" lvl="0" indent="0" rtl="0">
-              <a:spcBef>
-                <a:spcPts val="0"/>
-              </a:spcBef>
-              <a:spcAft>
-                <a:spcPts val="0"/>
-              </a:spcAft>
-              <a:buNone/>
-            </a:pPr>
-            <a:r>
-              <a:rPr lang="en-US" dirty="0" smtClean="0">
-                <a:solidFill>
-                  <a:schemeClr val="bg1"/>
-                </a:solidFill>
-                <a:latin typeface="Montserrat" charset="0"/>
-                <a:ea typeface="Montserrat" charset="0"/>
-                <a:cs typeface="Montserrat" charset="0"/>
-                <a:sym typeface="Montserrat"/>
-              </a:rPr>
-              <a:t>16</a:t>
-            </a:r>
-            <a:endParaRPr dirty="0">
-              <a:solidFill>
-                <a:schemeClr val="bg1"/>
-              </a:solidFill>
-              <a:latin typeface="Montserrat" charset="0"/>
-              <a:ea typeface="Montserrat" charset="0"/>
-              <a:cs typeface="Montserrat" charset="0"/>
-              <a:sym typeface="Montserrat"/>
-            </a:endParaRPr>
-          </a:p>
-        </p:txBody>
-      </p:sp>
-      <p:sp>
-        <p:nvSpPr>
-          <p:cNvPr id="25" name="Shape 416"/>
+          <p:cNvPr id="27" name="TextBox 26"/>
           <p:cNvSpPr txBox="1"/>
           <p:nvPr/>
         </p:nvSpPr>
         <p:spPr>
           <a:xfrm>
-            <a:off x="462421" y="422684"/>
-            <a:ext cx="1602620" cy="577500"/>
+            <a:off x="3226241" y="3210333"/>
+            <a:ext cx="2691515" cy="954107"/>
           </a:xfrm>
           <a:prstGeom prst="rect">
             <a:avLst/>
           </a:prstGeom>
           <a:noFill/>
-          <a:ln>
-            <a:noFill/>
-          </a:ln>
         </p:spPr>
         <p:txBody>
-          <a:bodyPr spcFirstLastPara="1" wrap="square" lIns="91425" tIns="45720" rIns="91425" bIns="45720" anchor="t" anchorCtr="0">
-            <a:noAutofit/>
+          <a:bodyPr wrap="square" rtlCol="0">
+            <a:spAutoFit/>
           </a:bodyPr>
           <a:lstStyle/>
           <a:p>
-            <a:pPr marL="0" lvl="0" indent="0" rtl="0">
-              <a:spcBef>
-                <a:spcPts val="0"/>
-              </a:spcBef>
-              <a:spcAft>
-                <a:spcPts val="0"/>
-              </a:spcAft>
-              <a:buNone/>
-            </a:pPr>
+            <a:pPr algn="ctr"/>
             <a:r>
-              <a:rPr lang="en-US" sz="2400" b="1" dirty="0" smtClean="0">
+              <a:rPr lang="en-US" dirty="0" err="1">
                 <a:solidFill>
                   <a:schemeClr val="bg1"/>
                 </a:solidFill>
                 <a:latin typeface="Glacial Indifference" charset="0"/>
                 <a:ea typeface="Glacial Indifference" charset="0"/>
                 <a:cs typeface="Glacial Indifference" charset="0"/>
-                <a:sym typeface="Montserrat Medium"/>
               </a:rPr>
-              <a:t>Team</a:t>
+              <a:t>Sed</a:t>
             </a:r>
-            <a:endParaRPr sz="2400" b="1" dirty="0">
-              <a:solidFill>
-                <a:schemeClr val="bg1"/>
-              </a:solidFill>
-              <a:latin typeface="Glacial Indifference" charset="0"/>
-              <a:ea typeface="Glacial Indifference" charset="0"/>
-              <a:cs typeface="Glacial Indifference" charset="0"/>
-              <a:sym typeface="Montserrat Medium"/>
-            </a:endParaRPr>
+            <a:r>
+              <a:rPr lang="en-US" dirty="0">
+                <a:solidFill>
+                  <a:schemeClr val="bg1"/>
+                </a:solidFill>
+                <a:latin typeface="Glacial Indifference" charset="0"/>
+                <a:ea typeface="Glacial Indifference" charset="0"/>
+                <a:cs typeface="Glacial Indifference" charset="0"/>
+              </a:rPr>
+              <a:t> </a:t>
+            </a:r>
+            <a:r>
+              <a:rPr lang="en-US" dirty="0" err="1">
+                <a:solidFill>
+                  <a:schemeClr val="bg1"/>
+                </a:solidFill>
+                <a:latin typeface="Glacial Indifference" charset="0"/>
+                <a:ea typeface="Glacial Indifference" charset="0"/>
+                <a:cs typeface="Glacial Indifference" charset="0"/>
+              </a:rPr>
+              <a:t>ornare</a:t>
+            </a:r>
+            <a:r>
+              <a:rPr lang="en-US" dirty="0">
+                <a:solidFill>
+                  <a:schemeClr val="bg1"/>
+                </a:solidFill>
+                <a:latin typeface="Glacial Indifference" charset="0"/>
+                <a:ea typeface="Glacial Indifference" charset="0"/>
+                <a:cs typeface="Glacial Indifference" charset="0"/>
+              </a:rPr>
+              <a:t> at </a:t>
+            </a:r>
+            <a:r>
+              <a:rPr lang="en-US" dirty="0" err="1">
+                <a:solidFill>
+                  <a:schemeClr val="bg1"/>
+                </a:solidFill>
+                <a:latin typeface="Glacial Indifference" charset="0"/>
+                <a:ea typeface="Glacial Indifference" charset="0"/>
+                <a:cs typeface="Glacial Indifference" charset="0"/>
+              </a:rPr>
+              <a:t>felis</a:t>
+            </a:r>
+            <a:r>
+              <a:rPr lang="en-US" dirty="0">
+                <a:solidFill>
+                  <a:schemeClr val="bg1"/>
+                </a:solidFill>
+                <a:latin typeface="Glacial Indifference" charset="0"/>
+                <a:ea typeface="Glacial Indifference" charset="0"/>
+                <a:cs typeface="Glacial Indifference" charset="0"/>
+              </a:rPr>
+              <a:t> </a:t>
+            </a:r>
+            <a:r>
+              <a:rPr lang="en-US" dirty="0" err="1" smtClean="0">
+                <a:solidFill>
+                  <a:schemeClr val="bg1"/>
+                </a:solidFill>
+                <a:latin typeface="Glacial Indifference" charset="0"/>
+                <a:ea typeface="Glacial Indifference" charset="0"/>
+                <a:cs typeface="Glacial Indifference" charset="0"/>
+              </a:rPr>
+              <a:t>vel</a:t>
+            </a:r>
+            <a:r>
+              <a:rPr lang="en-US" dirty="0" smtClean="0">
+                <a:solidFill>
+                  <a:schemeClr val="bg1"/>
+                </a:solidFill>
+                <a:latin typeface="Glacial Indifference" charset="0"/>
+                <a:ea typeface="Glacial Indifference" charset="0"/>
+                <a:cs typeface="Glacial Indifference" charset="0"/>
+              </a:rPr>
+              <a:t> </a:t>
+            </a:r>
+            <a:r>
+              <a:rPr lang="en-US" dirty="0" err="1" smtClean="0">
+                <a:solidFill>
+                  <a:schemeClr val="bg1"/>
+                </a:solidFill>
+                <a:latin typeface="Glacial Indifference" charset="0"/>
+                <a:ea typeface="Glacial Indifference" charset="0"/>
+                <a:cs typeface="Glacial Indifference" charset="0"/>
+              </a:rPr>
+              <a:t>fdasf</a:t>
+            </a:r>
+            <a:r>
+              <a:rPr lang="en-US" dirty="0" smtClean="0">
+                <a:solidFill>
+                  <a:schemeClr val="bg1"/>
+                </a:solidFill>
+                <a:latin typeface="Glacial Indifference" charset="0"/>
+                <a:ea typeface="Glacial Indifference" charset="0"/>
+                <a:cs typeface="Glacial Indifference" charset="0"/>
+              </a:rPr>
+              <a:t> </a:t>
+            </a:r>
+            <a:r>
+              <a:rPr lang="en-US" dirty="0" err="1" smtClean="0">
+                <a:solidFill>
+                  <a:schemeClr val="bg1"/>
+                </a:solidFill>
+                <a:latin typeface="Glacial Indifference" charset="0"/>
+                <a:ea typeface="Glacial Indifference" charset="0"/>
+                <a:cs typeface="Glacial Indifference" charset="0"/>
+              </a:rPr>
+              <a:t>fd</a:t>
+            </a:r>
+            <a:r>
+              <a:rPr lang="en-US" dirty="0" smtClean="0">
+                <a:solidFill>
+                  <a:schemeClr val="bg1"/>
+                </a:solidFill>
+                <a:latin typeface="Glacial Indifference" charset="0"/>
+                <a:ea typeface="Glacial Indifference" charset="0"/>
+                <a:cs typeface="Glacial Indifference" charset="0"/>
+              </a:rPr>
+              <a:t>. </a:t>
+            </a:r>
+            <a:r>
+              <a:rPr lang="en-US" dirty="0" err="1">
+                <a:solidFill>
+                  <a:schemeClr val="bg1"/>
+                </a:solidFill>
+                <a:latin typeface="Glacial Indifference" charset="0"/>
+                <a:ea typeface="Glacial Indifference" charset="0"/>
+                <a:cs typeface="Glacial Indifference" charset="0"/>
+              </a:rPr>
+              <a:t>Suspendisse</a:t>
+            </a:r>
+            <a:r>
+              <a:rPr lang="en-US" dirty="0">
+                <a:solidFill>
+                  <a:schemeClr val="bg1"/>
+                </a:solidFill>
+                <a:latin typeface="Glacial Indifference" charset="0"/>
+                <a:ea typeface="Glacial Indifference" charset="0"/>
+                <a:cs typeface="Glacial Indifference" charset="0"/>
+              </a:rPr>
+              <a:t> </a:t>
+            </a:r>
+            <a:r>
+              <a:rPr lang="en-US" dirty="0" err="1">
+                <a:solidFill>
+                  <a:schemeClr val="bg1"/>
+                </a:solidFill>
+                <a:latin typeface="Glacial Indifference" charset="0"/>
+                <a:ea typeface="Glacial Indifference" charset="0"/>
+                <a:cs typeface="Glacial Indifference" charset="0"/>
+              </a:rPr>
+              <a:t>suscipit</a:t>
+            </a:r>
+            <a:r>
+              <a:rPr lang="en-US" dirty="0">
+                <a:solidFill>
+                  <a:schemeClr val="bg1"/>
+                </a:solidFill>
+                <a:latin typeface="Glacial Indifference" charset="0"/>
+                <a:ea typeface="Glacial Indifference" charset="0"/>
+                <a:cs typeface="Glacial Indifference" charset="0"/>
+              </a:rPr>
+              <a:t> </a:t>
+            </a:r>
+            <a:r>
+              <a:rPr lang="en-US" dirty="0" smtClean="0">
+                <a:solidFill>
+                  <a:schemeClr val="bg1"/>
+                </a:solidFill>
+                <a:latin typeface="Glacial Indifference" charset="0"/>
+                <a:ea typeface="Glacial Indifference" charset="0"/>
+                <a:cs typeface="Glacial Indifference" charset="0"/>
+              </a:rPr>
+              <a:t>quam</a:t>
+            </a:r>
+          </a:p>
+          <a:p>
+            <a:pPr algn="ctr"/>
+            <a:r>
+              <a:rPr lang="en-US" dirty="0" smtClean="0">
+                <a:solidFill>
+                  <a:schemeClr val="bg1"/>
+                </a:solidFill>
+                <a:latin typeface="Glacial Indifference" charset="0"/>
+                <a:ea typeface="Glacial Indifference" charset="0"/>
+                <a:cs typeface="Glacial Indifference" charset="0"/>
+              </a:rPr>
+              <a:t> </a:t>
+            </a:r>
+            <a:r>
+              <a:rPr lang="en-US" dirty="0">
+                <a:solidFill>
+                  <a:schemeClr val="bg1"/>
+                </a:solidFill>
+                <a:latin typeface="Glacial Indifference" charset="0"/>
+                <a:ea typeface="Glacial Indifference" charset="0"/>
+                <a:cs typeface="Glacial Indifference" charset="0"/>
+              </a:rPr>
+              <a:t>quam </a:t>
+            </a:r>
+            <a:r>
+              <a:rPr lang="en-US" dirty="0" err="1">
+                <a:solidFill>
+                  <a:schemeClr val="bg1"/>
+                </a:solidFill>
+                <a:latin typeface="Glacial Indifference" charset="0"/>
+                <a:ea typeface="Glacial Indifference" charset="0"/>
+                <a:cs typeface="Glacial Indifference" charset="0"/>
+              </a:rPr>
+              <a:t>facilisis</a:t>
+            </a:r>
+            <a:r>
+              <a:rPr lang="en-US" dirty="0">
+                <a:solidFill>
+                  <a:schemeClr val="bg1"/>
+                </a:solidFill>
+                <a:latin typeface="Glacial Indifference" charset="0"/>
+                <a:ea typeface="Glacial Indifference" charset="0"/>
+                <a:cs typeface="Glacial Indifference" charset="0"/>
+              </a:rPr>
+              <a:t>, et </a:t>
+            </a:r>
+            <a:r>
+              <a:rPr lang="en-US" dirty="0" err="1" smtClean="0">
+                <a:solidFill>
+                  <a:schemeClr val="bg1"/>
+                </a:solidFill>
+                <a:latin typeface="Glacial Indifference" charset="0"/>
+                <a:ea typeface="Glacial Indifference" charset="0"/>
+                <a:cs typeface="Glacial Indifference" charset="0"/>
+              </a:rPr>
+              <a:t>facilispulvinar</a:t>
+            </a:r>
+            <a:r>
+              <a:rPr lang="en-US" dirty="0">
+                <a:solidFill>
+                  <a:schemeClr val="bg1"/>
+                </a:solidFill>
+                <a:latin typeface="Glacial Indifference" charset="0"/>
+                <a:ea typeface="Glacial Indifference" charset="0"/>
+                <a:cs typeface="Glacial Indifference" charset="0"/>
+              </a:rPr>
+              <a:t>. </a:t>
+            </a:r>
+            <a:r>
+              <a:rPr lang="en-US" dirty="0" err="1">
+                <a:solidFill>
+                  <a:schemeClr val="bg1"/>
+                </a:solidFill>
+                <a:latin typeface="Glacial Indifference" charset="0"/>
+                <a:ea typeface="Glacial Indifference" charset="0"/>
+                <a:cs typeface="Glacial Indifference" charset="0"/>
+              </a:rPr>
+              <a:t>Donec</a:t>
+            </a:r>
+            <a:r>
+              <a:rPr lang="en-US" dirty="0">
+                <a:solidFill>
+                  <a:schemeClr val="bg1"/>
+                </a:solidFill>
+                <a:latin typeface="Glacial Indifference" charset="0"/>
+                <a:ea typeface="Glacial Indifference" charset="0"/>
+                <a:cs typeface="Glacial Indifference" charset="0"/>
+              </a:rPr>
+              <a:t> </a:t>
+            </a:r>
+            <a:r>
+              <a:rPr lang="en-US" dirty="0" err="1">
+                <a:solidFill>
+                  <a:schemeClr val="bg1"/>
+                </a:solidFill>
+                <a:latin typeface="Glacial Indifference" charset="0"/>
+                <a:ea typeface="Glacial Indifference" charset="0"/>
+                <a:cs typeface="Glacial Indifference" charset="0"/>
+              </a:rPr>
+              <a:t>cursus</a:t>
+            </a:r>
+            <a:r>
+              <a:rPr lang="en-US" dirty="0">
+                <a:solidFill>
+                  <a:schemeClr val="bg1"/>
+                </a:solidFill>
+                <a:latin typeface="Glacial Indifference" charset="0"/>
+                <a:ea typeface="Glacial Indifference" charset="0"/>
+                <a:cs typeface="Glacial Indifference" charset="0"/>
+              </a:rPr>
+              <a:t> </a:t>
+            </a:r>
+            <a:r>
+              <a:rPr lang="en-US" dirty="0" err="1">
+                <a:solidFill>
+                  <a:schemeClr val="bg1"/>
+                </a:solidFill>
+                <a:latin typeface="Glacial Indifference" charset="0"/>
+                <a:ea typeface="Glacial Indifference" charset="0"/>
+                <a:cs typeface="Glacial Indifference" charset="0"/>
+              </a:rPr>
+              <a:t>efficitur</a:t>
+            </a:r>
+            <a:r>
+              <a:rPr lang="en-US" dirty="0">
+                <a:solidFill>
+                  <a:schemeClr val="bg1"/>
+                </a:solidFill>
+                <a:latin typeface="Glacial Indifference" charset="0"/>
+                <a:ea typeface="Glacial Indifference" charset="0"/>
+                <a:cs typeface="Glacial Indifference" charset="0"/>
+              </a:rPr>
+              <a:t> mi, </a:t>
+            </a:r>
           </a:p>
         </p:txBody>
       </p:sp>
       <p:sp>
         <p:nvSpPr>
-          <p:cNvPr id="26" name="TextBox 25"/>
+          <p:cNvPr id="28" name="TextBox 27"/>
+          <p:cNvSpPr txBox="1"/>
+          <p:nvPr/>
+        </p:nvSpPr>
+        <p:spPr>
+          <a:xfrm>
+            <a:off x="441817" y="3210332"/>
+            <a:ext cx="2691515" cy="954107"/>
+          </a:xfrm>
+          <a:prstGeom prst="rect">
+            <a:avLst/>
+          </a:prstGeom>
+          <a:noFill/>
+        </p:spPr>
+        <p:txBody>
+          <a:bodyPr wrap="square" rtlCol="0">
+            <a:spAutoFit/>
+          </a:bodyPr>
+          <a:lstStyle/>
+          <a:p>
+            <a:pPr algn="ctr"/>
+            <a:r>
+              <a:rPr lang="en-US" dirty="0" err="1">
+                <a:solidFill>
+                  <a:schemeClr val="bg1"/>
+                </a:solidFill>
+                <a:latin typeface="Glacial Indifference" charset="0"/>
+                <a:ea typeface="Glacial Indifference" charset="0"/>
+                <a:cs typeface="Glacial Indifference" charset="0"/>
+              </a:rPr>
+              <a:t>Sed</a:t>
+            </a:r>
+            <a:r>
+              <a:rPr lang="en-US" dirty="0">
+                <a:solidFill>
+                  <a:schemeClr val="bg1"/>
+                </a:solidFill>
+                <a:latin typeface="Glacial Indifference" charset="0"/>
+                <a:ea typeface="Glacial Indifference" charset="0"/>
+                <a:cs typeface="Glacial Indifference" charset="0"/>
+              </a:rPr>
+              <a:t> </a:t>
+            </a:r>
+            <a:r>
+              <a:rPr lang="en-US" dirty="0" err="1">
+                <a:solidFill>
+                  <a:schemeClr val="bg1"/>
+                </a:solidFill>
+                <a:latin typeface="Glacial Indifference" charset="0"/>
+                <a:ea typeface="Glacial Indifference" charset="0"/>
+                <a:cs typeface="Glacial Indifference" charset="0"/>
+              </a:rPr>
+              <a:t>ornare</a:t>
+            </a:r>
+            <a:r>
+              <a:rPr lang="en-US" dirty="0">
+                <a:solidFill>
+                  <a:schemeClr val="bg1"/>
+                </a:solidFill>
+                <a:latin typeface="Glacial Indifference" charset="0"/>
+                <a:ea typeface="Glacial Indifference" charset="0"/>
+                <a:cs typeface="Glacial Indifference" charset="0"/>
+              </a:rPr>
+              <a:t> at </a:t>
+            </a:r>
+            <a:r>
+              <a:rPr lang="en-US" dirty="0" err="1">
+                <a:solidFill>
+                  <a:schemeClr val="bg1"/>
+                </a:solidFill>
+                <a:latin typeface="Glacial Indifference" charset="0"/>
+                <a:ea typeface="Glacial Indifference" charset="0"/>
+                <a:cs typeface="Glacial Indifference" charset="0"/>
+              </a:rPr>
+              <a:t>felis</a:t>
+            </a:r>
+            <a:r>
+              <a:rPr lang="en-US" dirty="0">
+                <a:solidFill>
+                  <a:schemeClr val="bg1"/>
+                </a:solidFill>
+                <a:latin typeface="Glacial Indifference" charset="0"/>
+                <a:ea typeface="Glacial Indifference" charset="0"/>
+                <a:cs typeface="Glacial Indifference" charset="0"/>
+              </a:rPr>
+              <a:t> </a:t>
+            </a:r>
+            <a:r>
+              <a:rPr lang="en-US" dirty="0" err="1" smtClean="0">
+                <a:solidFill>
+                  <a:schemeClr val="bg1"/>
+                </a:solidFill>
+                <a:latin typeface="Glacial Indifference" charset="0"/>
+                <a:ea typeface="Glacial Indifference" charset="0"/>
+                <a:cs typeface="Glacial Indifference" charset="0"/>
+              </a:rPr>
+              <a:t>vel</a:t>
+            </a:r>
+            <a:r>
+              <a:rPr lang="en-US" dirty="0" smtClean="0">
+                <a:solidFill>
+                  <a:schemeClr val="bg1"/>
+                </a:solidFill>
+                <a:latin typeface="Glacial Indifference" charset="0"/>
+                <a:ea typeface="Glacial Indifference" charset="0"/>
+                <a:cs typeface="Glacial Indifference" charset="0"/>
+              </a:rPr>
+              <a:t> </a:t>
+            </a:r>
+            <a:r>
+              <a:rPr lang="en-US" dirty="0" err="1" smtClean="0">
+                <a:solidFill>
+                  <a:schemeClr val="bg1"/>
+                </a:solidFill>
+                <a:latin typeface="Glacial Indifference" charset="0"/>
+                <a:ea typeface="Glacial Indifference" charset="0"/>
+                <a:cs typeface="Glacial Indifference" charset="0"/>
+              </a:rPr>
+              <a:t>fdasf</a:t>
+            </a:r>
+            <a:r>
+              <a:rPr lang="en-US" dirty="0" smtClean="0">
+                <a:solidFill>
+                  <a:schemeClr val="bg1"/>
+                </a:solidFill>
+                <a:latin typeface="Glacial Indifference" charset="0"/>
+                <a:ea typeface="Glacial Indifference" charset="0"/>
+                <a:cs typeface="Glacial Indifference" charset="0"/>
+              </a:rPr>
+              <a:t> </a:t>
+            </a:r>
+            <a:r>
+              <a:rPr lang="en-US" dirty="0" err="1" smtClean="0">
+                <a:solidFill>
+                  <a:schemeClr val="bg1"/>
+                </a:solidFill>
+                <a:latin typeface="Glacial Indifference" charset="0"/>
+                <a:ea typeface="Glacial Indifference" charset="0"/>
+                <a:cs typeface="Glacial Indifference" charset="0"/>
+              </a:rPr>
+              <a:t>fd</a:t>
+            </a:r>
+            <a:r>
+              <a:rPr lang="en-US" dirty="0" smtClean="0">
+                <a:solidFill>
+                  <a:schemeClr val="bg1"/>
+                </a:solidFill>
+                <a:latin typeface="Glacial Indifference" charset="0"/>
+                <a:ea typeface="Glacial Indifference" charset="0"/>
+                <a:cs typeface="Glacial Indifference" charset="0"/>
+              </a:rPr>
+              <a:t>. </a:t>
+            </a:r>
+            <a:r>
+              <a:rPr lang="en-US" dirty="0" err="1">
+                <a:solidFill>
+                  <a:schemeClr val="bg1"/>
+                </a:solidFill>
+                <a:latin typeface="Glacial Indifference" charset="0"/>
+                <a:ea typeface="Glacial Indifference" charset="0"/>
+                <a:cs typeface="Glacial Indifference" charset="0"/>
+              </a:rPr>
+              <a:t>Suspendisse</a:t>
+            </a:r>
+            <a:r>
+              <a:rPr lang="en-US" dirty="0">
+                <a:solidFill>
+                  <a:schemeClr val="bg1"/>
+                </a:solidFill>
+                <a:latin typeface="Glacial Indifference" charset="0"/>
+                <a:ea typeface="Glacial Indifference" charset="0"/>
+                <a:cs typeface="Glacial Indifference" charset="0"/>
+              </a:rPr>
+              <a:t> </a:t>
+            </a:r>
+            <a:r>
+              <a:rPr lang="en-US" dirty="0" err="1">
+                <a:solidFill>
+                  <a:schemeClr val="bg1"/>
+                </a:solidFill>
+                <a:latin typeface="Glacial Indifference" charset="0"/>
+                <a:ea typeface="Glacial Indifference" charset="0"/>
+                <a:cs typeface="Glacial Indifference" charset="0"/>
+              </a:rPr>
+              <a:t>suscipit</a:t>
+            </a:r>
+            <a:r>
+              <a:rPr lang="en-US" dirty="0">
+                <a:solidFill>
+                  <a:schemeClr val="bg1"/>
+                </a:solidFill>
+                <a:latin typeface="Glacial Indifference" charset="0"/>
+                <a:ea typeface="Glacial Indifference" charset="0"/>
+                <a:cs typeface="Glacial Indifference" charset="0"/>
+              </a:rPr>
+              <a:t> </a:t>
+            </a:r>
+            <a:r>
+              <a:rPr lang="en-US" dirty="0" smtClean="0">
+                <a:solidFill>
+                  <a:schemeClr val="bg1"/>
+                </a:solidFill>
+                <a:latin typeface="Glacial Indifference" charset="0"/>
+                <a:ea typeface="Glacial Indifference" charset="0"/>
+                <a:cs typeface="Glacial Indifference" charset="0"/>
+              </a:rPr>
+              <a:t>quam</a:t>
+            </a:r>
+          </a:p>
+          <a:p>
+            <a:pPr algn="ctr"/>
+            <a:r>
+              <a:rPr lang="en-US" dirty="0" smtClean="0">
+                <a:solidFill>
+                  <a:schemeClr val="bg1"/>
+                </a:solidFill>
+                <a:latin typeface="Glacial Indifference" charset="0"/>
+                <a:ea typeface="Glacial Indifference" charset="0"/>
+                <a:cs typeface="Glacial Indifference" charset="0"/>
+              </a:rPr>
+              <a:t> </a:t>
+            </a:r>
+            <a:r>
+              <a:rPr lang="en-US" dirty="0">
+                <a:solidFill>
+                  <a:schemeClr val="bg1"/>
+                </a:solidFill>
+                <a:latin typeface="Glacial Indifference" charset="0"/>
+                <a:ea typeface="Glacial Indifference" charset="0"/>
+                <a:cs typeface="Glacial Indifference" charset="0"/>
+              </a:rPr>
+              <a:t>quam </a:t>
+            </a:r>
+            <a:r>
+              <a:rPr lang="en-US" dirty="0" err="1">
+                <a:solidFill>
+                  <a:schemeClr val="bg1"/>
+                </a:solidFill>
+                <a:latin typeface="Glacial Indifference" charset="0"/>
+                <a:ea typeface="Glacial Indifference" charset="0"/>
+                <a:cs typeface="Glacial Indifference" charset="0"/>
+              </a:rPr>
+              <a:t>facilisis</a:t>
+            </a:r>
+            <a:r>
+              <a:rPr lang="en-US" dirty="0">
+                <a:solidFill>
+                  <a:schemeClr val="bg1"/>
+                </a:solidFill>
+                <a:latin typeface="Glacial Indifference" charset="0"/>
+                <a:ea typeface="Glacial Indifference" charset="0"/>
+                <a:cs typeface="Glacial Indifference" charset="0"/>
+              </a:rPr>
+              <a:t>, et </a:t>
+            </a:r>
+            <a:r>
+              <a:rPr lang="en-US" dirty="0" err="1" smtClean="0">
+                <a:solidFill>
+                  <a:schemeClr val="bg1"/>
+                </a:solidFill>
+                <a:latin typeface="Glacial Indifference" charset="0"/>
+                <a:ea typeface="Glacial Indifference" charset="0"/>
+                <a:cs typeface="Glacial Indifference" charset="0"/>
+              </a:rPr>
+              <a:t>facilispulvinar</a:t>
+            </a:r>
+            <a:r>
+              <a:rPr lang="en-US" dirty="0">
+                <a:solidFill>
+                  <a:schemeClr val="bg1"/>
+                </a:solidFill>
+                <a:latin typeface="Glacial Indifference" charset="0"/>
+                <a:ea typeface="Glacial Indifference" charset="0"/>
+                <a:cs typeface="Glacial Indifference" charset="0"/>
+              </a:rPr>
+              <a:t>. </a:t>
+            </a:r>
+            <a:r>
+              <a:rPr lang="en-US" dirty="0" err="1">
+                <a:solidFill>
+                  <a:schemeClr val="bg1"/>
+                </a:solidFill>
+                <a:latin typeface="Glacial Indifference" charset="0"/>
+                <a:ea typeface="Glacial Indifference" charset="0"/>
+                <a:cs typeface="Glacial Indifference" charset="0"/>
+              </a:rPr>
+              <a:t>Donec</a:t>
+            </a:r>
+            <a:r>
+              <a:rPr lang="en-US" dirty="0">
+                <a:solidFill>
+                  <a:schemeClr val="bg1"/>
+                </a:solidFill>
+                <a:latin typeface="Glacial Indifference" charset="0"/>
+                <a:ea typeface="Glacial Indifference" charset="0"/>
+                <a:cs typeface="Glacial Indifference" charset="0"/>
+              </a:rPr>
+              <a:t> </a:t>
+            </a:r>
+            <a:r>
+              <a:rPr lang="en-US" dirty="0" err="1">
+                <a:solidFill>
+                  <a:schemeClr val="bg1"/>
+                </a:solidFill>
+                <a:latin typeface="Glacial Indifference" charset="0"/>
+                <a:ea typeface="Glacial Indifference" charset="0"/>
+                <a:cs typeface="Glacial Indifference" charset="0"/>
+              </a:rPr>
+              <a:t>cursus</a:t>
+            </a:r>
+            <a:r>
+              <a:rPr lang="en-US" dirty="0">
+                <a:solidFill>
+                  <a:schemeClr val="bg1"/>
+                </a:solidFill>
+                <a:latin typeface="Glacial Indifference" charset="0"/>
+                <a:ea typeface="Glacial Indifference" charset="0"/>
+                <a:cs typeface="Glacial Indifference" charset="0"/>
+              </a:rPr>
+              <a:t> </a:t>
+            </a:r>
+            <a:r>
+              <a:rPr lang="en-US" dirty="0" err="1">
+                <a:solidFill>
+                  <a:schemeClr val="bg1"/>
+                </a:solidFill>
+                <a:latin typeface="Glacial Indifference" charset="0"/>
+                <a:ea typeface="Glacial Indifference" charset="0"/>
+                <a:cs typeface="Glacial Indifference" charset="0"/>
+              </a:rPr>
+              <a:t>efficitur</a:t>
+            </a:r>
+            <a:r>
+              <a:rPr lang="en-US" dirty="0">
+                <a:solidFill>
+                  <a:schemeClr val="bg1"/>
+                </a:solidFill>
+                <a:latin typeface="Glacial Indifference" charset="0"/>
+                <a:ea typeface="Glacial Indifference" charset="0"/>
+                <a:cs typeface="Glacial Indifference" charset="0"/>
+              </a:rPr>
+              <a:t> mi, </a:t>
+            </a:r>
+          </a:p>
+        </p:txBody>
+      </p:sp>
+      <p:sp>
+        <p:nvSpPr>
+          <p:cNvPr id="19" name="TextBox 18"/>
           <p:cNvSpPr txBox="1"/>
           <p:nvPr/>
         </p:nvSpPr>
@@ -35173,7 +36192,7 @@
       </p:sp>
       <p:pic>
         <p:nvPicPr>
-          <p:cNvPr id="27" name="Picture 26"/>
+          <p:cNvPr id="20" name="Picture 19"/>
           <p:cNvPicPr>
             <a:picLocks noChangeAspect="1"/>
           </p:cNvPicPr>
@@ -35201,9 +36220,50 @@
           </a:prstGeom>
         </p:spPr>
       </p:pic>
+      <p:sp>
+        <p:nvSpPr>
+          <p:cNvPr id="22" name="Shape 416"/>
+          <p:cNvSpPr txBox="1"/>
+          <p:nvPr/>
+        </p:nvSpPr>
+        <p:spPr>
+          <a:xfrm>
+            <a:off x="469077" y="411480"/>
+            <a:ext cx="5467800" cy="577500"/>
+          </a:xfrm>
+          <a:prstGeom prst="rect">
+            <a:avLst/>
+          </a:prstGeom>
+          <a:noFill/>
+          <a:ln>
+            <a:noFill/>
+          </a:ln>
+        </p:spPr>
+        <p:txBody>
+          <a:bodyPr spcFirstLastPara="1" wrap="square" lIns="91425" tIns="45720" rIns="91425" bIns="45720" anchor="t" anchorCtr="0">
+            <a:noAutofit/>
+          </a:bodyPr>
+          <a:lstStyle/>
+          <a:p>
+            <a:pPr lvl="0"/>
+            <a:r>
+              <a:rPr lang="en-US" sz="2400" b="1" dirty="0">
+                <a:solidFill>
+                  <a:schemeClr val="bg1"/>
+                </a:solidFill>
+                <a:latin typeface="Glacial Indifference" charset="0"/>
+                <a:ea typeface="Glacial Indifference" charset="0"/>
+                <a:cs typeface="Glacial Indifference" charset="0"/>
+                <a:sym typeface="Montserrat Medium"/>
+              </a:rPr>
+              <a:t>The Team</a:t>
+            </a:r>
+          </a:p>
+        </p:txBody>
+      </p:sp>
       <p:pic>
         <p:nvPicPr>
-          <p:cNvPr id="7170" name="Picture 2" descr="https://lh5.googleusercontent.com/F7LpPVjRcEvaZ7bQ61Xo5ApfZ_eyQ6_lxzuM35Zh-7GtlNyWzzO068_DMX97V4UVkO3Qq606x3OScdu2NNYDyE0pc7faDneOb6Idnqv8UrDteP-7lhDgPENWu2_8YBUCX9D0vjo5R4w"/>
+          <p:cNvPr id="18" name="Picture 2" descr="https://lh5.googleusercontent.com/F7LpPVjRcEvaZ7bQ61Xo5ApfZ_eyQ6_lxzuM35Zh-7GtlNyWzzO068_DMX97V4UVkO3Qq606x3OScdu2NNYDyE0pc7faDneOb6Idnqv8UrDteP-7lhDgPENWu2_8YBUCX9D0vjo5R4w"/>
           <p:cNvPicPr>
             <a:picLocks noChangeAspect="1" noChangeArrowheads="1"/>
           </p:cNvPicPr>
@@ -35222,7 +36282,39 @@
         </p:blipFill>
         <p:spPr bwMode="auto">
           <a:xfrm>
-            <a:off x="2539413" y="765167"/>
+            <a:off x="1224797" y="1212378"/>
+            <a:ext cx="1133856" cy="1126441"/>
+          </a:xfrm>
+          <a:prstGeom prst="ellipse">
+            <a:avLst/>
+          </a:prstGeom>
+          <a:solidFill>
+            <a:schemeClr val="lt1"/>
+          </a:solidFill>
+        </p:spPr>
+      </p:pic>
+      <p:pic>
+        <p:nvPicPr>
+          <p:cNvPr id="23" name="Picture 2" descr="https://lh5.googleusercontent.com/F7LpPVjRcEvaZ7bQ61Xo5ApfZ_eyQ6_lxzuM35Zh-7GtlNyWzzO068_DMX97V4UVkO3Qq606x3OScdu2NNYDyE0pc7faDneOb6Idnqv8UrDteP-7lhDgPENWu2_8YBUCX9D0vjo5R4w"/>
+          <p:cNvPicPr>
+            <a:picLocks noChangeAspect="1" noChangeArrowheads="1"/>
+          </p:cNvPicPr>
+          <p:nvPr/>
+        </p:nvPicPr>
+        <p:blipFill rotWithShape="1">
+          <a:blip r:embed="rId6">
+            <a:extLst>
+              <a:ext uri="{28A0092B-C50C-407E-A947-70E740481C1C}">
+                <a14:useLocalDpi xmlns:a14="http://schemas.microsoft.com/office/drawing/2010/main" val="0"/>
+              </a:ext>
+            </a:extLst>
+          </a:blip>
+          <a:srcRect l="-14969" t="1027" r="-11030" b="17446"/>
+          <a:stretch/>
+        </p:blipFill>
+        <p:spPr bwMode="auto">
+          <a:xfrm>
+            <a:off x="6797588" y="1221195"/>
             <a:ext cx="1133856" cy="1126441"/>
           </a:xfrm>
           <a:prstGeom prst="ellipse">
@@ -35236,7 +36328,7 @@
     </p:spTree>
     <p:extLst>
       <p:ext uri="{BB962C8B-B14F-4D97-AF65-F5344CB8AC3E}">
-        <p14:creationId xmlns:p14="http://schemas.microsoft.com/office/powerpoint/2010/main" val="1644964892"/>
+        <p14:creationId xmlns:p14="http://schemas.microsoft.com/office/powerpoint/2010/main" val="605590824"/>
       </p:ext>
     </p:extLst>
   </p:cSld>
@@ -36547,7 +37639,7 @@
           <a:graphicData uri="http://schemas.openxmlformats.org/presentationml/2006/ole">
             <mc:AlternateContent xmlns:mc="http://schemas.openxmlformats.org/markup-compatibility/2006">
               <mc:Choice xmlns:v="urn:schemas-microsoft-com:vml" Requires="v">
-                <p:oleObj spid="_x0000_s3245" name="think-cell Slide" r:id="rId6" imgW="270" imgH="270" progId="TCLayout.ActiveDocument.1">
+                <p:oleObj spid="_x0000_s3248" name="think-cell Slide" r:id="rId6" imgW="270" imgH="270" progId="TCLayout.ActiveDocument.1">
                   <p:embed/>
                 </p:oleObj>
               </mc:Choice>
@@ -37232,7 +38324,7 @@
           <a:graphicData uri="http://schemas.openxmlformats.org/presentationml/2006/ole">
             <mc:AlternateContent xmlns:mc="http://schemas.openxmlformats.org/markup-compatibility/2006">
               <mc:Choice xmlns:v="urn:schemas-microsoft-com:vml" Requires="v">
-                <p:oleObj spid="_x0000_s4199" name="think-cell Slide" r:id="rId6" imgW="270" imgH="270" progId="TCLayout.ActiveDocument.1">
+                <p:oleObj spid="_x0000_s4202" name="think-cell Slide" r:id="rId6" imgW="270" imgH="270" progId="TCLayout.ActiveDocument.1">
                   <p:embed/>
                 </p:oleObj>
               </mc:Choice>
@@ -41354,7 +42446,7 @@
           <a:graphicData uri="http://schemas.openxmlformats.org/presentationml/2006/ole">
             <mc:AlternateContent xmlns:mc="http://schemas.openxmlformats.org/markup-compatibility/2006">
               <mc:Choice xmlns:v="urn:schemas-microsoft-com:vml" Requires="v">
-                <p:oleObj spid="_x0000_s6208" name="think-cell Slide" r:id="rId6" imgW="270" imgH="270" progId="TCLayout.ActiveDocument.1">
+                <p:oleObj spid="_x0000_s6211" name="think-cell Slide" r:id="rId6" imgW="270" imgH="270" progId="TCLayout.ActiveDocument.1">
                   <p:embed/>
                 </p:oleObj>
               </mc:Choice>
